--- a/powerpoint/Learning_Lab.pptx
+++ b/powerpoint/Learning_Lab.pptx
@@ -7,21 +7,23 @@
     <p:sldMasterId id="2147483960" r:id="rId3"/>
   </p:sldMasterIdLst>
   <p:notesMasterIdLst>
-    <p:notesMasterId r:id="rId16"/>
+    <p:notesMasterId r:id="rId18"/>
   </p:notesMasterIdLst>
   <p:sldIdLst>
-    <p:sldId id="262" r:id="rId4"/>
-    <p:sldId id="263" r:id="rId5"/>
-    <p:sldId id="264" r:id="rId6"/>
-    <p:sldId id="265" r:id="rId7"/>
-    <p:sldId id="266" r:id="rId8"/>
-    <p:sldId id="267" r:id="rId9"/>
-    <p:sldId id="268" r:id="rId10"/>
-    <p:sldId id="269" r:id="rId11"/>
-    <p:sldId id="271" r:id="rId12"/>
-    <p:sldId id="272" r:id="rId13"/>
-    <p:sldId id="273" r:id="rId14"/>
-    <p:sldId id="270" r:id="rId15"/>
+    <p:sldId id="274" r:id="rId4"/>
+    <p:sldId id="275" r:id="rId5"/>
+    <p:sldId id="276" r:id="rId6"/>
+    <p:sldId id="277" r:id="rId7"/>
+    <p:sldId id="278" r:id="rId8"/>
+    <p:sldId id="279" r:id="rId9"/>
+    <p:sldId id="280" r:id="rId10"/>
+    <p:sldId id="281" r:id="rId11"/>
+    <p:sldId id="282" r:id="rId12"/>
+    <p:sldId id="283" r:id="rId13"/>
+    <p:sldId id="284" r:id="rId14"/>
+    <p:sldId id="285" r:id="rId15"/>
+    <p:sldId id="286" r:id="rId16"/>
+    <p:sldId id="287" r:id="rId17"/>
   </p:sldIdLst>
   <p:sldSz cx="14630400" cy="8229600"/>
   <p:notesSz cx="6858000" cy="9144000"/>
@@ -125,24 +127,26 @@
       <p14:sectionLst xmlns:p14="http://schemas.microsoft.com/office/powerpoint/2010/main">
         <p14:section name="Default Section" id="{65A0AD92-78D2-7545-8A6E-2D1143DEE447}">
           <p14:sldIdLst>
-            <p14:sldId id="262"/>
-            <p14:sldId id="263"/>
-            <p14:sldId id="264"/>
-            <p14:sldId id="265"/>
-            <p14:sldId id="266"/>
-            <p14:sldId id="267"/>
-            <p14:sldId id="268"/>
-            <p14:sldId id="269"/>
-            <p14:sldId id="271"/>
-            <p14:sldId id="272"/>
-            <p14:sldId id="273"/>
-            <p14:sldId id="270"/>
+            <p14:sldId id="274"/>
+            <p14:sldId id="275"/>
+            <p14:sldId id="276"/>
+            <p14:sldId id="277"/>
+            <p14:sldId id="278"/>
+            <p14:sldId id="279"/>
+            <p14:sldId id="280"/>
+            <p14:sldId id="281"/>
+            <p14:sldId id="282"/>
+            <p14:sldId id="283"/>
+            <p14:sldId id="284"/>
+            <p14:sldId id="285"/>
+            <p14:sldId id="286"/>
+            <p14:sldId id="287"/>
           </p14:sldIdLst>
         </p14:section>
       </p14:sectionLst>
     </p:ext>
     <p:ext uri="{EFAFB233-063F-42B5-8137-9DF3F51BA10A}">
-      <p15:sldGuideLst xmlns="" xmlns:p15="http://schemas.microsoft.com/office/powerpoint/2012/main">
+      <p15:sldGuideLst xmlns:p15="http://schemas.microsoft.com/office/powerpoint/2012/main" xmlns="">
         <p15:guide id="1" orient="horz" pos="2856" userDrawn="1">
           <p15:clr>
             <a:srgbClr val="A4A3A4"/>
@@ -276,7 +280,7 @@
           <a:p>
             <a:fld id="{D3795B05-2543-AE48-B1B2-BBCFB868FD98}" type="datetimeFigureOut">
               <a:rPr lang="en-US" smtClean="0"/>
-              <a:t>3/2/17</a:t>
+              <a:t>3/11/17</a:t>
             </a:fld>
             <a:endParaRPr lang="en-US"/>
           </a:p>
@@ -545,6 +549,129 @@
 </file>
 
 <file path=ppt/notesSlides/notesSlide1.xml><?xml version="1.0" encoding="utf-8"?>
+<p:notes xmlns:a="http://schemas.openxmlformats.org/drawingml/2006/main" xmlns:r="http://schemas.openxmlformats.org/officeDocument/2006/relationships" xmlns:p="http://schemas.openxmlformats.org/presentationml/2006/main">
+  <p:cSld>
+    <p:spTree>
+      <p:nvGrpSpPr>
+        <p:cNvPr id="1" name=""/>
+        <p:cNvGrpSpPr/>
+        <p:nvPr/>
+      </p:nvGrpSpPr>
+      <p:grpSpPr>
+        <a:xfrm>
+          <a:off x="0" y="0"/>
+          <a:ext cx="0" cy="0"/>
+          <a:chOff x="0" y="0"/>
+          <a:chExt cx="0" cy="0"/>
+        </a:xfrm>
+      </p:grpSpPr>
+      <p:sp>
+        <p:nvSpPr>
+          <p:cNvPr id="2" name="Slide Image Placeholder 1"/>
+          <p:cNvSpPr>
+            <a:spLocks noGrp="1" noRot="1" noChangeAspect="1"/>
+          </p:cNvSpPr>
+          <p:nvPr>
+            <p:ph type="sldImg"/>
+          </p:nvPr>
+        </p:nvSpPr>
+        <p:spPr/>
+      </p:sp>
+      <p:sp>
+        <p:nvSpPr>
+          <p:cNvPr id="3" name="Notes Placeholder 2"/>
+          <p:cNvSpPr>
+            <a:spLocks noGrp="1"/>
+          </p:cNvSpPr>
+          <p:nvPr>
+            <p:ph type="body" idx="1"/>
+          </p:nvPr>
+        </p:nvSpPr>
+        <p:spPr/>
+        <p:txBody>
+          <a:bodyPr/>
+          <a:lstStyle/>
+          <a:p>
+            <a:r>
+              <a:rPr lang="en-US" dirty="0" smtClean="0"/>
+              <a:t>The</a:t>
+            </a:r>
+            <a:r>
+              <a:rPr lang="en-US" baseline="0" dirty="0" smtClean="0"/>
+              <a:t> sleep is to give everyone else enough time to touch a file.</a:t>
+            </a:r>
+          </a:p>
+          <a:p>
+            <a:r>
+              <a:rPr lang="en-US" baseline="0" dirty="0" smtClean="0"/>
+              <a:t>The </a:t>
+            </a:r>
+            <a:r>
+              <a:rPr lang="en-US" baseline="0" dirty="0" err="1" smtClean="0"/>
+              <a:t>ls</a:t>
+            </a:r>
+            <a:r>
+              <a:rPr lang="en-US" baseline="0" dirty="0" smtClean="0"/>
+              <a:t> is to ensure there is only one student per machine.</a:t>
+            </a:r>
+          </a:p>
+          <a:p>
+            <a:r>
+              <a:rPr lang="en-US" baseline="0" dirty="0" smtClean="0"/>
+              <a:t>If multiple names appear, distribute new IP addresses so that each student only has one machine</a:t>
+            </a:r>
+            <a:endParaRPr lang="en-US" dirty="0"/>
+          </a:p>
+        </p:txBody>
+      </p:sp>
+      <p:sp>
+        <p:nvSpPr>
+          <p:cNvPr id="4" name="Slide Number Placeholder 3"/>
+          <p:cNvSpPr>
+            <a:spLocks noGrp="1"/>
+          </p:cNvSpPr>
+          <p:nvPr>
+            <p:ph type="sldNum" sz="quarter" idx="10"/>
+          </p:nvPr>
+        </p:nvSpPr>
+        <p:spPr/>
+        <p:txBody>
+          <a:bodyPr/>
+          <a:lstStyle/>
+          <a:p>
+            <a:fld id="{A1AE55D1-88AC-2A42-9CF2-C33E2ED81453}" type="slidenum">
+              <a:rPr lang="en-US" smtClean="0">
+                <a:solidFill>
+                  <a:prstClr val="black"/>
+                </a:solidFill>
+                <a:latin typeface="Calibri"/>
+              </a:rPr>
+              <a:pPr/>
+              <a:t>8</a:t>
+            </a:fld>
+            <a:endParaRPr lang="en-US">
+              <a:solidFill>
+                <a:prstClr val="black"/>
+              </a:solidFill>
+              <a:latin typeface="Calibri"/>
+            </a:endParaRPr>
+          </a:p>
+        </p:txBody>
+      </p:sp>
+    </p:spTree>
+    <p:extLst>
+      <p:ext uri="{BB962C8B-B14F-4D97-AF65-F5344CB8AC3E}">
+        <p14:creationId xmlns:p14="http://schemas.microsoft.com/office/powerpoint/2010/main" val="1469547378"/>
+      </p:ext>
+    </p:extLst>
+  </p:cSld>
+  <p:clrMapOvr>
+    <a:masterClrMapping/>
+  </p:clrMapOvr>
+</p:notes>
+</file>
+
+<file path=ppt/notesSlides/notesSlide2.xml><?xml version="1.0" encoding="utf-8"?>
 <p:notes xmlns:a="http://schemas.openxmlformats.org/drawingml/2006/main" xmlns:r="http://schemas.openxmlformats.org/officeDocument/2006/relationships" xmlns:p="http://schemas.openxmlformats.org/presentationml/2006/main" showMasterSp="0" showMasterPhAnim="0">
   <p:cSld>
     <p:spTree>
@@ -9079,7 +9206,7 @@
   </p:txStyles>
   <p:extLst mod="1">
     <p:ext uri="{27BBF7A9-308A-43DC-89C8-2F10F3537804}">
-      <p15:sldGuideLst xmlns="" xmlns:p15="http://schemas.microsoft.com/office/powerpoint/2012/main"/>
+      <p15:sldGuideLst xmlns:p15="http://schemas.microsoft.com/office/powerpoint/2012/main" xmlns=""/>
     </p:ext>
   </p:extLst>
 </p:sldMaster>
@@ -9563,7 +9690,7 @@
   </p:txStyles>
   <p:extLst mod="1">
     <p:ext uri="{27BBF7A9-308A-43DC-89C8-2F10F3537804}">
-      <p15:sldGuideLst xmlns="" xmlns:p15="http://schemas.microsoft.com/office/powerpoint/2012/main"/>
+      <p15:sldGuideLst xmlns:p15="http://schemas.microsoft.com/office/powerpoint/2012/main" xmlns=""/>
     </p:ext>
   </p:extLst>
 </p:sldMaster>
@@ -10046,7 +10173,7 @@
   </p:txStyles>
   <p:extLst mod="1">
     <p:ext uri="{27BBF7A9-308A-43DC-89C8-2F10F3537804}">
-      <p15:sldGuideLst xmlns="" xmlns:p15="http://schemas.microsoft.com/office/powerpoint/2012/main"/>
+      <p15:sldGuideLst xmlns:p15="http://schemas.microsoft.com/office/powerpoint/2012/main" xmlns=""/>
     </p:ext>
   </p:extLst>
 </p:sldMaster>
@@ -10114,7 +10241,7 @@
     </p:spTree>
     <p:extLst>
       <p:ext uri="{BB962C8B-B14F-4D97-AF65-F5344CB8AC3E}">
-        <p14:creationId xmlns:p14="http://schemas.microsoft.com/office/powerpoint/2010/main" val="734059845"/>
+        <p14:creationId xmlns:p14="http://schemas.microsoft.com/office/powerpoint/2010/main" val="219336031"/>
       </p:ext>
     </p:extLst>
   </p:cSld>
@@ -10198,33 +10325,29 @@
           <a:bodyPr/>
           <a:lstStyle/>
           <a:p>
+            <a:endParaRPr lang="en-US" dirty="0"/>
+          </a:p>
+          <a:p>
             <a:r>
               <a:rPr lang="en-US" dirty="0"/>
-              <a:t>Chef Development Kit Version: 1.2.22</a:t>
-            </a:r>
+              <a:t>1.11.0</a:t>
+            </a:r>
+          </a:p>
+          <a:p>
+            <a:endParaRPr lang="en-US" dirty="0"/>
           </a:p>
           <a:p>
             <a:r>
               <a:rPr lang="en-US" dirty="0"/>
-              <a:t>chef-client version: 12.18.31</a:t>
-            </a:r>
-          </a:p>
-          <a:p>
+              <a:t>Your version of </a:t>
+            </a:r>
+            <a:r>
+              <a:rPr lang="en-US" dirty="0" err="1"/>
+              <a:t>InSpec</a:t>
+            </a:r>
             <a:r>
               <a:rPr lang="en-US" dirty="0"/>
-              <a:t>delivery version: master (0b746cafed65a9ea1a79de3cc546e7922de9187c)</a:t>
-            </a:r>
-          </a:p>
-          <a:p>
-            <a:r>
-              <a:rPr lang="en-US" dirty="0"/>
-              <a:t>berks version: 2017-03-02T09:46:48.762338 20503] 2017-03-02T09:46:48.762505 20503] 2017-03-02T09:46:48.762618 20503] 2017-03-02T09:46:48.762722 20503] 2017-03-02T09:46:48.791141 20503] 2017-03-02T09:46:48.791248 20503] 5.6.0</a:t>
-            </a:r>
-          </a:p>
-          <a:p>
-            <a:r>
-              <a:rPr lang="en-US" dirty="0"/>
-              <a:t>kitchen version: 1.15.0</a:t>
+              <a:t> is out of date! The latest version is 1.15.0.</a:t>
             </a:r>
           </a:p>
         </p:txBody>
@@ -10245,8 +10368,12 @@
           <a:lstStyle/>
           <a:p>
             <a:r>
+              <a:rPr lang="en-US" dirty="0" err="1" smtClean="0"/>
+              <a:t>inspec</a:t>
+            </a:r>
+            <a:r>
               <a:rPr lang="en-US" dirty="0" smtClean="0"/>
-              <a:t>chef --version</a:t>
+              <a:t> version</a:t>
             </a:r>
             <a:endParaRPr lang="en-US" dirty="0"/>
           </a:p>
@@ -10255,7 +10382,7 @@
     </p:spTree>
     <p:extLst>
       <p:ext uri="{BB962C8B-B14F-4D97-AF65-F5344CB8AC3E}">
-        <p14:creationId xmlns:p14="http://schemas.microsoft.com/office/powerpoint/2010/main" val="674530961"/>
+        <p14:creationId xmlns:p14="http://schemas.microsoft.com/office/powerpoint/2010/main" val="3692190969"/>
       </p:ext>
     </p:extLst>
   </p:cSld>
@@ -10289,6 +10416,272 @@
   <p:cSld>
     <p:spTree>
       <p:nvGrpSpPr>
+        <p:cNvPr id="1" name=""/>
+        <p:cNvGrpSpPr/>
+        <p:nvPr/>
+      </p:nvGrpSpPr>
+      <p:grpSpPr>
+        <a:xfrm>
+          <a:off x="0" y="0"/>
+          <a:ext cx="0" cy="0"/>
+          <a:chOff x="0" y="0"/>
+          <a:chExt cx="0" cy="0"/>
+        </a:xfrm>
+      </p:grpSpPr>
+      <p:sp>
+        <p:nvSpPr>
+          <p:cNvPr id="2" name="Title 1"/>
+          <p:cNvSpPr>
+            <a:spLocks noGrp="1"/>
+          </p:cNvSpPr>
+          <p:nvPr>
+            <p:ph type="title"/>
+          </p:nvPr>
+        </p:nvSpPr>
+        <p:spPr/>
+        <p:txBody>
+          <a:bodyPr/>
+          <a:lstStyle/>
+          <a:p>
+            <a:r>
+              <a:rPr lang="en-US" dirty="0" smtClean="0"/>
+              <a:t>Verify the installation</a:t>
+            </a:r>
+            <a:endParaRPr lang="en-US" dirty="0"/>
+          </a:p>
+        </p:txBody>
+      </p:sp>
+      <p:sp>
+        <p:nvSpPr>
+          <p:cNvPr id="3" name="Content Placeholder 2"/>
+          <p:cNvSpPr>
+            <a:spLocks noGrp="1"/>
+          </p:cNvSpPr>
+          <p:nvPr>
+            <p:ph sz="quarter" idx="11"/>
+          </p:nvPr>
+        </p:nvSpPr>
+        <p:spPr/>
+        <p:txBody>
+          <a:bodyPr/>
+          <a:lstStyle/>
+          <a:p>
+            <a:r>
+              <a:rPr lang="en-US" dirty="0"/>
+              <a:t>/opt/</a:t>
+            </a:r>
+            <a:r>
+              <a:rPr lang="en-US" dirty="0" err="1"/>
+              <a:t>chefdk</a:t>
+            </a:r>
+            <a:r>
+              <a:rPr lang="en-US" dirty="0"/>
+              <a:t>/bin/chef</a:t>
+            </a:r>
+          </a:p>
+        </p:txBody>
+      </p:sp>
+      <p:sp>
+        <p:nvSpPr>
+          <p:cNvPr id="4" name="Text Placeholder 3"/>
+          <p:cNvSpPr>
+            <a:spLocks noGrp="1"/>
+          </p:cNvSpPr>
+          <p:nvPr>
+            <p:ph type="body" sz="quarter" idx="12"/>
+          </p:nvPr>
+        </p:nvSpPr>
+        <p:spPr/>
+        <p:txBody>
+          <a:bodyPr/>
+          <a:lstStyle/>
+          <a:p>
+            <a:r>
+              <a:rPr lang="en-US" dirty="0" smtClean="0"/>
+              <a:t>which chef</a:t>
+            </a:r>
+            <a:endParaRPr lang="en-US" dirty="0"/>
+          </a:p>
+        </p:txBody>
+      </p:sp>
+    </p:spTree>
+    <p:extLst>
+      <p:ext uri="{BB962C8B-B14F-4D97-AF65-F5344CB8AC3E}">
+        <p14:creationId xmlns:p14="http://schemas.microsoft.com/office/powerpoint/2010/main" val="145069205"/>
+      </p:ext>
+    </p:extLst>
+  </p:cSld>
+  <p:clrMapOvr>
+    <a:masterClrMapping/>
+  </p:clrMapOvr>
+  <mc:AlternateContent xmlns:mc="http://schemas.openxmlformats.org/markup-compatibility/2006" xmlns:p14="http://schemas.microsoft.com/office/powerpoint/2010/main">
+    <mc:Choice Requires="p14">
+      <p:transition spd="med" p14:dur="700">
+        <p:fade/>
+      </p:transition>
+    </mc:Choice>
+    <mc:Fallback xmlns="">
+      <p:transition spd="med">
+        <p:fade/>
+      </p:transition>
+    </mc:Fallback>
+  </mc:AlternateContent>
+  <p:timing>
+    <p:tnLst>
+      <p:par>
+        <p:cTn xmlns:p14="http://schemas.microsoft.com/office/powerpoint/2010/main" id="1" dur="indefinite" restart="never" nodeType="tmRoot"/>
+      </p:par>
+    </p:tnLst>
+  </p:timing>
+</p:sld>
+</file>
+
+<file path=ppt/slides/slide12.xml><?xml version="1.0" encoding="utf-8"?>
+<p:sld xmlns:a="http://schemas.openxmlformats.org/drawingml/2006/main" xmlns:r="http://schemas.openxmlformats.org/officeDocument/2006/relationships" xmlns:p="http://schemas.openxmlformats.org/presentationml/2006/main">
+  <p:cSld>
+    <p:spTree>
+      <p:nvGrpSpPr>
+        <p:cNvPr id="1" name=""/>
+        <p:cNvGrpSpPr/>
+        <p:nvPr/>
+      </p:nvGrpSpPr>
+      <p:grpSpPr>
+        <a:xfrm>
+          <a:off x="0" y="0"/>
+          <a:ext cx="0" cy="0"/>
+          <a:chOff x="0" y="0"/>
+          <a:chExt cx="0" cy="0"/>
+        </a:xfrm>
+      </p:grpSpPr>
+      <p:sp>
+        <p:nvSpPr>
+          <p:cNvPr id="2" name="Title 1"/>
+          <p:cNvSpPr>
+            <a:spLocks noGrp="1"/>
+          </p:cNvSpPr>
+          <p:nvPr>
+            <p:ph type="title"/>
+          </p:nvPr>
+        </p:nvSpPr>
+        <p:spPr/>
+        <p:txBody>
+          <a:bodyPr/>
+          <a:lstStyle/>
+          <a:p>
+            <a:r>
+              <a:rPr lang="en-US" dirty="0" smtClean="0"/>
+              <a:t>Verify the installation</a:t>
+            </a:r>
+            <a:endParaRPr lang="en-US" dirty="0"/>
+          </a:p>
+        </p:txBody>
+      </p:sp>
+      <p:sp>
+        <p:nvSpPr>
+          <p:cNvPr id="3" name="Content Placeholder 2"/>
+          <p:cNvSpPr>
+            <a:spLocks noGrp="1"/>
+          </p:cNvSpPr>
+          <p:nvPr>
+            <p:ph sz="quarter" idx="11"/>
+          </p:nvPr>
+        </p:nvSpPr>
+        <p:spPr/>
+        <p:txBody>
+          <a:bodyPr/>
+          <a:lstStyle/>
+          <a:p>
+            <a:r>
+              <a:rPr lang="en-US" dirty="0"/>
+              <a:t>Chef Development Kit Version: 1.2.22</a:t>
+            </a:r>
+          </a:p>
+          <a:p>
+            <a:r>
+              <a:rPr lang="en-US" dirty="0"/>
+              <a:t>chef-client version: 12.18.31</a:t>
+            </a:r>
+          </a:p>
+          <a:p>
+            <a:r>
+              <a:rPr lang="en-US" dirty="0"/>
+              <a:t>delivery version: master (0b746cafed65a9ea1a79de3cc546e7922de9187c)</a:t>
+            </a:r>
+          </a:p>
+          <a:p>
+            <a:r>
+              <a:rPr lang="en-US" dirty="0"/>
+              <a:t>berks version: 2017-03-02T09:46:48.762338 20503] 2017-03-02T09:46:48.762505 20503] 2017-03-02T09:46:48.762618 20503] 2017-03-02T09:46:48.762722 20503] 2017-03-02T09:46:48.791141 20503] 2017-03-02T09:46:48.791248 20503] 5.6.0</a:t>
+            </a:r>
+          </a:p>
+          <a:p>
+            <a:r>
+              <a:rPr lang="en-US" dirty="0"/>
+              <a:t>kitchen version: 1.15.0</a:t>
+            </a:r>
+          </a:p>
+        </p:txBody>
+      </p:sp>
+      <p:sp>
+        <p:nvSpPr>
+          <p:cNvPr id="4" name="Text Placeholder 3"/>
+          <p:cNvSpPr>
+            <a:spLocks noGrp="1"/>
+          </p:cNvSpPr>
+          <p:nvPr>
+            <p:ph type="body" sz="quarter" idx="12"/>
+          </p:nvPr>
+        </p:nvSpPr>
+        <p:spPr/>
+        <p:txBody>
+          <a:bodyPr/>
+          <a:lstStyle/>
+          <a:p>
+            <a:r>
+              <a:rPr lang="en-US" dirty="0" smtClean="0"/>
+              <a:t>chef --version</a:t>
+            </a:r>
+            <a:endParaRPr lang="en-US" dirty="0"/>
+          </a:p>
+        </p:txBody>
+      </p:sp>
+    </p:spTree>
+    <p:extLst>
+      <p:ext uri="{BB962C8B-B14F-4D97-AF65-F5344CB8AC3E}">
+        <p14:creationId xmlns:p14="http://schemas.microsoft.com/office/powerpoint/2010/main" val="544246309"/>
+      </p:ext>
+    </p:extLst>
+  </p:cSld>
+  <p:clrMapOvr>
+    <a:masterClrMapping/>
+  </p:clrMapOvr>
+  <mc:AlternateContent xmlns:mc="http://schemas.openxmlformats.org/markup-compatibility/2006" xmlns:p14="http://schemas.microsoft.com/office/powerpoint/2010/main">
+    <mc:Choice Requires="p14">
+      <p:transition spd="med" p14:dur="700">
+        <p:fade/>
+      </p:transition>
+    </mc:Choice>
+    <mc:Fallback xmlns="">
+      <p:transition spd="med">
+        <p:fade/>
+      </p:transition>
+    </mc:Fallback>
+  </mc:AlternateContent>
+  <p:timing>
+    <p:tnLst>
+      <p:par>
+        <p:cTn xmlns:p14="http://schemas.microsoft.com/office/powerpoint/2010/main" id="1" dur="indefinite" restart="never" nodeType="tmRoot"/>
+      </p:par>
+    </p:tnLst>
+  </p:timing>
+</p:sld>
+</file>
+
+<file path=ppt/slides/slide13.xml><?xml version="1.0" encoding="utf-8"?>
+<p:sld xmlns:a="http://schemas.openxmlformats.org/drawingml/2006/main" xmlns:r="http://schemas.openxmlformats.org/officeDocument/2006/relationships" xmlns:p="http://schemas.openxmlformats.org/presentationml/2006/main">
+  <p:cSld>
+    <p:spTree>
+      <p:nvGrpSpPr>
         <p:cNvPr id="1" name="Shape 943"/>
         <p:cNvGrpSpPr/>
         <p:nvPr/>
@@ -10488,14 +10881,14 @@
           <a:p>
             <a:pPr>
               <a:buClr>
-                <a:schemeClr val="accent3"/>
+                <a:srgbClr val="5C6670"/>
               </a:buClr>
               <a:buSzPct val="25000"/>
             </a:pPr>
             <a:r>
               <a:rPr lang="en" sz="1900" b="1">
                 <a:solidFill>
-                  <a:schemeClr val="accent3"/>
+                  <a:srgbClr val="5C6670"/>
                 </a:solidFill>
                 <a:latin typeface="Raleway"/>
                 <a:ea typeface="Raleway"/>
@@ -10695,14 +11088,14 @@
           <a:p>
             <a:pPr>
               <a:buClr>
-                <a:schemeClr val="accent3"/>
+                <a:srgbClr val="5C6670"/>
               </a:buClr>
               <a:buSzPct val="25000"/>
             </a:pPr>
             <a:r>
               <a:rPr lang="en" sz="1900" b="1">
                 <a:solidFill>
-                  <a:schemeClr val="accent3"/>
+                  <a:srgbClr val="5C6670"/>
                 </a:solidFill>
                 <a:latin typeface="Raleway"/>
                 <a:ea typeface="Raleway"/>
@@ -10881,14 +11274,14 @@
           <a:p>
             <a:pPr>
               <a:buClr>
-                <a:schemeClr val="accent3"/>
+                <a:srgbClr val="5C6670"/>
               </a:buClr>
               <a:buSzPct val="25000"/>
             </a:pPr>
             <a:r>
               <a:rPr lang="en" sz="1900" b="1">
                 <a:solidFill>
-                  <a:schemeClr val="accent3"/>
+                  <a:srgbClr val="5C6670"/>
                 </a:solidFill>
                 <a:latin typeface="Raleway"/>
                 <a:ea typeface="Raleway"/>
@@ -11073,14 +11466,14 @@
           <a:p>
             <a:pPr>
               <a:buClr>
-                <a:schemeClr val="accent3"/>
+                <a:srgbClr val="5C6670"/>
               </a:buClr>
               <a:buSzPct val="25000"/>
             </a:pPr>
             <a:r>
               <a:rPr lang="en" sz="1900" b="1">
                 <a:solidFill>
-                  <a:schemeClr val="accent3"/>
+                  <a:srgbClr val="5C6670"/>
                 </a:solidFill>
                 <a:latin typeface="Raleway"/>
                 <a:ea typeface="Raleway"/>
@@ -11240,14 +11633,14 @@
           <a:p>
             <a:pPr>
               <a:buClr>
-                <a:schemeClr val="accent3"/>
+                <a:srgbClr val="5C6670"/>
               </a:buClr>
               <a:buSzPct val="25000"/>
             </a:pPr>
             <a:r>
               <a:rPr lang="en" sz="1900" b="1">
                 <a:solidFill>
-                  <a:schemeClr val="accent3"/>
+                  <a:srgbClr val="5C6670"/>
                 </a:solidFill>
                 <a:latin typeface="Raleway"/>
                 <a:ea typeface="Raleway"/>
@@ -11511,7 +11904,7 @@
     </p:spTree>
     <p:extLst>
       <p:ext uri="{BB962C8B-B14F-4D97-AF65-F5344CB8AC3E}">
-        <p14:creationId xmlns:p14="http://schemas.microsoft.com/office/powerpoint/2010/main" val="1290869456"/>
+        <p14:creationId xmlns:p14="http://schemas.microsoft.com/office/powerpoint/2010/main" val="2201312868"/>
       </p:ext>
     </p:extLst>
   </p:cSld>
@@ -11540,7 +11933,7 @@
 </p:sld>
 </file>
 
-<file path=ppt/slides/slide12.xml><?xml version="1.0" encoding="utf-8"?>
+<file path=ppt/slides/slide14.xml><?xml version="1.0" encoding="utf-8"?>
 <p:sld xmlns:a="http://schemas.openxmlformats.org/drawingml/2006/main" xmlns:r="http://schemas.openxmlformats.org/officeDocument/2006/relationships" xmlns:p="http://schemas.openxmlformats.org/presentationml/2006/main">
   <p:cSld>
     <p:spTree>
@@ -11622,7 +12015,7 @@
     </p:spTree>
     <p:extLst>
       <p:ext uri="{BB962C8B-B14F-4D97-AF65-F5344CB8AC3E}">
-        <p14:creationId xmlns:p14="http://schemas.microsoft.com/office/powerpoint/2010/main" val="3689004401"/>
+        <p14:creationId xmlns:p14="http://schemas.microsoft.com/office/powerpoint/2010/main" val="1447175643"/>
       </p:ext>
     </p:extLst>
   </p:cSld>
@@ -11713,7 +12106,7 @@
     </p:spTree>
     <p:extLst>
       <p:ext uri="{BB962C8B-B14F-4D97-AF65-F5344CB8AC3E}">
-        <p14:creationId xmlns:p14="http://schemas.microsoft.com/office/powerpoint/2010/main" val="3800366444"/>
+        <p14:creationId xmlns:p14="http://schemas.microsoft.com/office/powerpoint/2010/main" val="1125041348"/>
       </p:ext>
     </p:extLst>
   </p:cSld>
@@ -11850,7 +12243,7 @@
     </p:spTree>
     <p:extLst>
       <p:ext uri="{BB962C8B-B14F-4D97-AF65-F5344CB8AC3E}">
-        <p14:creationId xmlns:p14="http://schemas.microsoft.com/office/powerpoint/2010/main" val="2983375698"/>
+        <p14:creationId xmlns:p14="http://schemas.microsoft.com/office/powerpoint/2010/main" val="1675957479"/>
       </p:ext>
     </p:extLst>
   </p:cSld>
@@ -11992,7 +12385,7 @@
     </p:spTree>
     <p:extLst>
       <p:ext uri="{BB962C8B-B14F-4D97-AF65-F5344CB8AC3E}">
-        <p14:creationId xmlns:p14="http://schemas.microsoft.com/office/powerpoint/2010/main" val="34471884"/>
+        <p14:creationId xmlns:p14="http://schemas.microsoft.com/office/powerpoint/2010/main" val="2127694308"/>
       </p:ext>
     </p:extLst>
   </p:cSld>
@@ -12148,7 +12541,7 @@
     </p:spTree>
     <p:extLst>
       <p:ext uri="{BB962C8B-B14F-4D97-AF65-F5344CB8AC3E}">
-        <p14:creationId xmlns:p14="http://schemas.microsoft.com/office/powerpoint/2010/main" val="1561142332"/>
+        <p14:creationId xmlns:p14="http://schemas.microsoft.com/office/powerpoint/2010/main" val="1471874171"/>
       </p:ext>
     </p:extLst>
   </p:cSld>
@@ -12309,7 +12702,7 @@
     </p:spTree>
     <p:extLst>
       <p:ext uri="{BB962C8B-B14F-4D97-AF65-F5344CB8AC3E}">
-        <p14:creationId xmlns:p14="http://schemas.microsoft.com/office/powerpoint/2010/main" val="1364438027"/>
+        <p14:creationId xmlns:p14="http://schemas.microsoft.com/office/powerpoint/2010/main" val="2781962769"/>
       </p:ext>
     </p:extLst>
   </p:cSld>
@@ -12372,7 +12765,7 @@
           <a:p>
             <a:r>
               <a:rPr lang="en-US" dirty="0" smtClean="0"/>
-              <a:t>Verify the installation</a:t>
+              <a:t>Touch a file with your name</a:t>
             </a:r>
             <a:endParaRPr lang="en-US" dirty="0"/>
           </a:p>
@@ -12380,7 +12773,7 @@
       </p:sp>
       <p:sp>
         <p:nvSpPr>
-          <p:cNvPr id="3" name="Content Placeholder 2"/>
+          <p:cNvPr id="5" name="Content Placeholder 4"/>
           <p:cNvSpPr>
             <a:spLocks noGrp="1"/>
           </p:cNvSpPr>
@@ -12393,23 +12786,7 @@
           <a:bodyPr/>
           <a:lstStyle/>
           <a:p>
-            <a:r>
-              <a:rPr lang="en-US" dirty="0"/>
-              <a:t>/opt/</a:t>
-            </a:r>
-            <a:r>
-              <a:rPr lang="en-US" dirty="0" err="1"/>
-              <a:t>chefdk</a:t>
-            </a:r>
-            <a:r>
-              <a:rPr lang="en-US" dirty="0"/>
-              <a:t>/bin/</a:t>
-            </a:r>
-            <a:r>
-              <a:rPr lang="en-US" dirty="0" err="1"/>
-              <a:t>inspec</a:t>
-            </a:r>
-            <a:endParaRPr lang="en-US" dirty="0"/>
+            <a:endParaRPr lang="en-US"/>
           </a:p>
         </p:txBody>
       </p:sp>
@@ -12430,11 +12807,11 @@
           <a:p>
             <a:r>
               <a:rPr lang="en-US" dirty="0" smtClean="0"/>
-              <a:t>which </a:t>
+              <a:t>touch </a:t>
             </a:r>
             <a:r>
               <a:rPr lang="en-US" dirty="0" err="1" smtClean="0"/>
-              <a:t>inspec</a:t>
+              <a:t>firstname-lastname</a:t>
             </a:r>
             <a:endParaRPr lang="en-US" dirty="0"/>
           </a:p>
@@ -12443,7 +12820,7 @@
     </p:spTree>
     <p:extLst>
       <p:ext uri="{BB962C8B-B14F-4D97-AF65-F5344CB8AC3E}">
-        <p14:creationId xmlns:p14="http://schemas.microsoft.com/office/powerpoint/2010/main" val="2192293732"/>
+        <p14:creationId xmlns:p14="http://schemas.microsoft.com/office/powerpoint/2010/main" val="1613187398"/>
       </p:ext>
     </p:extLst>
   </p:cSld>
@@ -12462,6 +12839,13 @@
       </p:transition>
     </mc:Fallback>
   </mc:AlternateContent>
+  <p:timing>
+    <p:tnLst>
+      <p:par>
+        <p:cTn xmlns:p14="http://schemas.microsoft.com/office/powerpoint/2010/main" id="1" dur="indefinite" restart="never" nodeType="tmRoot"/>
+      </p:par>
+    </p:tnLst>
+  </p:timing>
 </p:sld>
 </file>
 
@@ -12499,7 +12883,7 @@
           <a:p>
             <a:r>
               <a:rPr lang="en-US" dirty="0" smtClean="0"/>
-              <a:t>Verify the installation</a:t>
+              <a:t>List your home directory</a:t>
             </a:r>
             <a:endParaRPr lang="en-US" dirty="0"/>
           </a:p>
@@ -12520,30 +12904,41 @@
           <a:bodyPr/>
           <a:lstStyle/>
           <a:p>
+            <a:r>
+              <a:rPr lang="en-US" dirty="0" err="1"/>
+              <a:t>firstname-lastname</a:t>
+            </a:r>
+            <a:r>
+              <a:rPr lang="en-US" dirty="0"/>
+              <a:t>  cookbooks       </a:t>
+            </a:r>
+            <a:r>
+              <a:rPr lang="en-US" dirty="0" err="1"/>
+              <a:t>Berksfile</a:t>
+            </a:r>
+            <a:r>
+              <a:rPr lang="en-US" dirty="0"/>
+              <a:t>    profiles</a:t>
+            </a:r>
+          </a:p>
+          <a:p>
+            <a:r>
+              <a:rPr lang="en-US" dirty="0"/>
+              <a:t>nodes               </a:t>
+            </a:r>
+            <a:r>
+              <a:rPr lang="en-US" dirty="0" err="1"/>
+              <a:t>Berksfile.lock</a:t>
+            </a:r>
+            <a:r>
+              <a:rPr lang="en-US" dirty="0"/>
+              <a:t>  </a:t>
+            </a:r>
+            <a:r>
+              <a:rPr lang="en-US" dirty="0" err="1"/>
+              <a:t>config.json</a:t>
+            </a:r>
             <a:endParaRPr lang="en-US" dirty="0"/>
-          </a:p>
-          <a:p>
-            <a:r>
-              <a:rPr lang="en-US" dirty="0"/>
-              <a:t>1.11.0</a:t>
-            </a:r>
-          </a:p>
-          <a:p>
-            <a:endParaRPr lang="en-US" dirty="0"/>
-          </a:p>
-          <a:p>
-            <a:r>
-              <a:rPr lang="en-US" dirty="0"/>
-              <a:t>Your version of </a:t>
-            </a:r>
-            <a:r>
-              <a:rPr lang="en-US" dirty="0" err="1"/>
-              <a:t>InSpec</a:t>
-            </a:r>
-            <a:r>
-              <a:rPr lang="en-US" dirty="0"/>
-              <a:t> is out of date! The latest version is 1.15.0.</a:t>
-            </a:r>
           </a:p>
         </p:txBody>
       </p:sp>
@@ -12563,12 +12958,16 @@
           <a:lstStyle/>
           <a:p>
             <a:r>
+              <a:rPr lang="en-US" dirty="0" smtClean="0"/>
+              <a:t>sleep 60 &amp;&amp; </a:t>
+            </a:r>
+            <a:r>
               <a:rPr lang="en-US" dirty="0" err="1" smtClean="0"/>
-              <a:t>inspec</a:t>
+              <a:t>ls</a:t>
             </a:r>
             <a:r>
               <a:rPr lang="en-US" dirty="0" smtClean="0"/>
-              <a:t> version</a:t>
+              <a:t> -t</a:t>
             </a:r>
             <a:endParaRPr lang="en-US" dirty="0"/>
           </a:p>
@@ -12577,7 +12976,7 @@
     </p:spTree>
     <p:extLst>
       <p:ext uri="{BB962C8B-B14F-4D97-AF65-F5344CB8AC3E}">
-        <p14:creationId xmlns:p14="http://schemas.microsoft.com/office/powerpoint/2010/main" val="1201027087"/>
+        <p14:creationId xmlns:p14="http://schemas.microsoft.com/office/powerpoint/2010/main" val="1813720295"/>
       </p:ext>
     </p:extLst>
   </p:cSld>
@@ -12596,6 +12995,13 @@
       </p:transition>
     </mc:Fallback>
   </mc:AlternateContent>
+  <p:timing>
+    <p:tnLst>
+      <p:par>
+        <p:cTn xmlns:p14="http://schemas.microsoft.com/office/powerpoint/2010/main" id="1" dur="indefinite" restart="never" nodeType="tmRoot"/>
+      </p:par>
+    </p:tnLst>
+  </p:timing>
 </p:sld>
 </file>
 
@@ -12664,8 +13070,13 @@
             </a:r>
             <a:r>
               <a:rPr lang="en-US" dirty="0"/>
-              <a:t>/bin/chef</a:t>
-            </a:r>
+              <a:t>/bin/</a:t>
+            </a:r>
+            <a:r>
+              <a:rPr lang="en-US" dirty="0" err="1"/>
+              <a:t>inspec</a:t>
+            </a:r>
+            <a:endParaRPr lang="en-US" dirty="0"/>
           </a:p>
         </p:txBody>
       </p:sp>
@@ -12686,7 +13097,11 @@
           <a:p>
             <a:r>
               <a:rPr lang="en-US" dirty="0" smtClean="0"/>
-              <a:t>which chef</a:t>
+              <a:t>which </a:t>
+            </a:r>
+            <a:r>
+              <a:rPr lang="en-US" dirty="0" err="1" smtClean="0"/>
+              <a:t>inspec</a:t>
             </a:r>
             <a:endParaRPr lang="en-US" dirty="0"/>
           </a:p>
@@ -12695,7 +13110,7 @@
     </p:spTree>
     <p:extLst>
       <p:ext uri="{BB962C8B-B14F-4D97-AF65-F5344CB8AC3E}">
-        <p14:creationId xmlns:p14="http://schemas.microsoft.com/office/powerpoint/2010/main" val="217470881"/>
+        <p14:creationId xmlns:p14="http://schemas.microsoft.com/office/powerpoint/2010/main" val="4063326046"/>
       </p:ext>
     </p:extLst>
   </p:cSld>
@@ -12714,6 +13129,13 @@
       </p:transition>
     </mc:Fallback>
   </mc:AlternateContent>
+  <p:timing>
+    <p:tnLst>
+      <p:par>
+        <p:cTn xmlns:p14="http://schemas.microsoft.com/office/powerpoint/2010/main" id="1" dur="indefinite" restart="never" nodeType="tmRoot"/>
+      </p:par>
+    </p:tnLst>
+  </p:timing>
 </p:sld>
 </file>
 
@@ -13107,7 +13529,7 @@
   <a:extraClrSchemeLst/>
   <a:extLst>
     <a:ext uri="{05A4C25C-085E-4340-85A3-A5531E510DB2}">
-      <thm15:themeFamily xmlns="" xmlns:thm15="http://schemas.microsoft.com/office/thememl/2012/main" name="Chef-Template-16x9-Blue.potx" id="{AEDCA41E-F161-4EBB-B511-A8687687A8DC}" vid="{64ECDA82-38C2-4FAD-B0A3-D276970F43D1}"/>
+      <thm15:themeFamily xmlns:thm15="http://schemas.microsoft.com/office/thememl/2012/main" xmlns="" name="Chef-Template-16x9-Blue.potx" id="{AEDCA41E-F161-4EBB-B511-A8687687A8DC}" vid="{64ECDA82-38C2-4FAD-B0A3-D276970F43D1}"/>
     </a:ext>
   </a:extLst>
 </a:theme>
@@ -13503,7 +13925,7 @@
   <a:extraClrSchemeLst/>
   <a:extLst>
     <a:ext uri="{05A4C25C-085E-4340-85A3-A5531E510DB2}">
-      <thm15:themeFamily xmlns="" xmlns:thm15="http://schemas.microsoft.com/office/thememl/2012/main" name="Chef-Template-16x9-Blue.potx" id="{AEDCA41E-F161-4EBB-B511-A8687687A8DC}" vid="{64ECDA82-38C2-4FAD-B0A3-D276970F43D1}"/>
+      <thm15:themeFamily xmlns:thm15="http://schemas.microsoft.com/office/thememl/2012/main" xmlns="" name="Chef-Template-16x9-Blue.potx" id="{AEDCA41E-F161-4EBB-B511-A8687687A8DC}" vid="{64ECDA82-38C2-4FAD-B0A3-D276970F43D1}"/>
     </a:ext>
   </a:extLst>
 </a:theme>
@@ -13899,7 +14321,7 @@
   <a:extraClrSchemeLst/>
   <a:extLst>
     <a:ext uri="{05A4C25C-085E-4340-85A3-A5531E510DB2}">
-      <thm15:themeFamily xmlns="" xmlns:thm15="http://schemas.microsoft.com/office/thememl/2012/main" name="Chef-Template-16x9-Blue.potx" id="{AEDCA41E-F161-4EBB-B511-A8687687A8DC}" vid="{64ECDA82-38C2-4FAD-B0A3-D276970F43D1}"/>
+      <thm15:themeFamily xmlns:thm15="http://schemas.microsoft.com/office/thememl/2012/main" xmlns="" name="Chef-Template-16x9-Blue.potx" id="{AEDCA41E-F161-4EBB-B511-A8687687A8DC}" vid="{64ECDA82-38C2-4FAD-B0A3-D276970F43D1}"/>
     </a:ext>
   </a:extLst>
 </a:theme>
